--- a/Lectures/Week 2 - Variables and Functions/02 - Variables.pptx
+++ b/Lectures/Week 2 - Variables and Functions/02 - Variables.pptx
@@ -2352,7 +2352,7 @@
             <a:fld id="{48A87A34-81AB-432B-8DAE-1953F412C126}" type="datetimeFigureOut">
               <a:rPr lang="en-US" smtClean="0"/>
               <a:pPr/>
-              <a:t>6/7/21</a:t>
+              <a:t>6/8/21</a:t>
             </a:fld>
             <a:endParaRPr lang="en-US" dirty="0"/>
           </a:p>
@@ -2523,7 +2523,7 @@
           <a:p>
             <a:fld id="{48A87A34-81AB-432B-8DAE-1953F412C126}" type="datetimeFigureOut">
               <a:rPr lang="en-US" smtClean="0"/>
-              <a:t>6/7/21</a:t>
+              <a:t>6/8/21</a:t>
             </a:fld>
             <a:endParaRPr lang="en-US" dirty="0"/>
           </a:p>
@@ -2794,7 +2794,7 @@
           <a:p>
             <a:fld id="{48A87A34-81AB-432B-8DAE-1953F412C126}" type="datetimeFigureOut">
               <a:rPr lang="en-US" smtClean="0"/>
-              <a:t>6/7/21</a:t>
+              <a:t>6/8/21</a:t>
             </a:fld>
             <a:endParaRPr lang="en-US" dirty="0"/>
           </a:p>
@@ -3027,7 +3027,7 @@
           <a:p>
             <a:fld id="{48A87A34-81AB-432B-8DAE-1953F412C126}" type="datetimeFigureOut">
               <a:rPr lang="en-US" smtClean="0"/>
-              <a:t>6/7/21</a:t>
+              <a:t>6/8/21</a:t>
             </a:fld>
             <a:endParaRPr lang="en-US" dirty="0"/>
           </a:p>
@@ -3384,7 +3384,7 @@
             <a:fld id="{48A87A34-81AB-432B-8DAE-1953F412C126}" type="datetimeFigureOut">
               <a:rPr lang="en-US" smtClean="0"/>
               <a:pPr/>
-              <a:t>6/7/21</a:t>
+              <a:t>6/8/21</a:t>
             </a:fld>
             <a:endParaRPr lang="en-US" dirty="0"/>
           </a:p>
@@ -3535,7 +3535,7 @@
           <a:p>
             <a:fld id="{48A87A34-81AB-432B-8DAE-1953F412C126}" type="datetimeFigureOut">
               <a:rPr lang="en-US" smtClean="0"/>
-              <a:t>6/7/21</a:t>
+              <a:t>6/8/21</a:t>
             </a:fld>
             <a:endParaRPr lang="en-US" dirty="0"/>
           </a:p>
@@ -3633,7 +3633,7 @@
           <a:p>
             <a:fld id="{48A87A34-81AB-432B-8DAE-1953F412C126}" type="datetimeFigureOut">
               <a:rPr lang="en-US" smtClean="0"/>
-              <a:t>6/7/21</a:t>
+              <a:t>6/8/21</a:t>
             </a:fld>
             <a:endParaRPr lang="en-US" dirty="0"/>
           </a:p>
@@ -3991,7 +3991,7 @@
           <a:p>
             <a:fld id="{48A87A34-81AB-432B-8DAE-1953F412C126}" type="datetimeFigureOut">
               <a:rPr lang="en-US" smtClean="0"/>
-              <a:t>6/7/21</a:t>
+              <a:t>6/8/21</a:t>
             </a:fld>
             <a:endParaRPr lang="en-US" dirty="0"/>
           </a:p>
@@ -4581,7 +4581,7 @@
           <a:p>
             <a:fld id="{48A87A34-81AB-432B-8DAE-1953F412C126}" type="datetimeFigureOut">
               <a:rPr lang="en-US" smtClean="0"/>
-              <a:t>6/7/21</a:t>
+              <a:t>6/8/21</a:t>
             </a:fld>
             <a:endParaRPr lang="en-US" dirty="0"/>
           </a:p>
@@ -4767,7 +4767,7 @@
           <a:p>
             <a:fld id="{48A87A34-81AB-432B-8DAE-1953F412C126}" type="datetimeFigureOut">
               <a:rPr lang="en-US" smtClean="0"/>
-              <a:t>6/7/21</a:t>
+              <a:t>6/8/21</a:t>
             </a:fld>
             <a:endParaRPr lang="en-US" dirty="0"/>
           </a:p>
@@ -4948,7 +4948,7 @@
           <a:p>
             <a:fld id="{48A87A34-81AB-432B-8DAE-1953F412C126}" type="datetimeFigureOut">
               <a:rPr lang="en-US" smtClean="0"/>
-              <a:t>6/7/21</a:t>
+              <a:t>6/8/21</a:t>
             </a:fld>
             <a:endParaRPr lang="en-US" dirty="0"/>
           </a:p>
@@ -9811,7 +9811,7 @@
           <a:p>
             <a:fld id="{1160EA64-D806-43AC-9DF2-F8C432F32B4C}" type="datetimeFigureOut">
               <a:rPr lang="en-US" dirty="0"/>
-              <a:t>6/7/21</a:t>
+              <a:t>6/8/21</a:t>
             </a:fld>
             <a:endParaRPr lang="en-US" dirty="0"/>
           </a:p>
@@ -12469,10 +12469,10 @@
                 <a:cs typeface="Consolas"/>
                 <a:sym typeface="Consolas"/>
               </a:rPr>
-              <a:t> = true;  // only options for </a:t>
-            </a:r>
-            <a:r>
-              <a:rPr lang="en" dirty="0" err="1">
+              <a:t> = true;  // only options </a:t>
+            </a:r>
+            <a:r>
+              <a:rPr lang="en">
                 <a:solidFill>
                   <a:srgbClr val="000000"/>
                 </a:solidFill>
@@ -12481,7 +12481,7 @@
                 <a:cs typeface="Consolas"/>
                 <a:sym typeface="Consolas"/>
               </a:rPr>
-              <a:t>boolean</a:t>
+              <a:t>for bool </a:t>
             </a:r>
             <a:r>
               <a:rPr lang="en" dirty="0">
@@ -12493,7 +12493,7 @@
                 <a:cs typeface="Consolas"/>
                 <a:sym typeface="Consolas"/>
               </a:rPr>
-              <a:t> is true or false</a:t>
+              <a:t>is true or false</a:t>
             </a:r>
             <a:endParaRPr dirty="0">
               <a:solidFill>
